--- a/2차과제/201613998 설경원 2차 과제.pptx
+++ b/2차과제/201613998 설경원 2차 과제.pptx
@@ -14,7 +14,9 @@
     <p:sldId id="303" r:id="rId8"/>
     <p:sldId id="257" r:id="rId9"/>
     <p:sldId id="304" r:id="rId10"/>
-    <p:sldId id="299" r:id="rId11"/>
+    <p:sldId id="305" r:id="rId11"/>
+    <p:sldId id="306" r:id="rId12"/>
+    <p:sldId id="299" r:id="rId13"/>
   </p:sldIdLst>
   <p:sldSz cx="12192000" cy="6858000"/>
   <p:notesSz cx="6858000" cy="9144000"/>
@@ -3667,6 +3669,592 @@
       </p:grpSpPr>
       <p:sp>
         <p:nvSpPr>
+          <p:cNvPr id="11" name="TextBox 10">
+            <a:extLst>
+              <a:ext uri="{FF2B5EF4-FFF2-40B4-BE49-F238E27FC236}">
+                <a16:creationId xmlns:a16="http://schemas.microsoft.com/office/drawing/2014/main" id="{2FA48DA7-C904-4A9A-BF1B-1D5A28D75BCA}"/>
+              </a:ext>
+            </a:extLst>
+          </p:cNvPr>
+          <p:cNvSpPr txBox="1"/>
+          <p:nvPr/>
+        </p:nvSpPr>
+        <p:spPr>
+          <a:xfrm>
+            <a:off x="75414" y="84841"/>
+            <a:ext cx="5099701" cy="369332"/>
+          </a:xfrm>
+          <a:prstGeom prst="rect">
+            <a:avLst/>
+          </a:prstGeom>
+          <a:noFill/>
+        </p:spPr>
+        <p:txBody>
+          <a:bodyPr wrap="square" rtlCol="0">
+            <a:spAutoFit/>
+          </a:bodyPr>
+          <a:lstStyle/>
+          <a:p>
+            <a:r>
+              <a:rPr lang="en-US" altLang="ko-KR" dirty="0"/>
+              <a:t>3</a:t>
+            </a:r>
+            <a:r>
+              <a:rPr lang="ko-KR" altLang="en-US" dirty="0"/>
+              <a:t>번 문제</a:t>
+            </a:r>
+            <a:r>
+              <a:rPr lang="en-US" altLang="ko-KR" dirty="0"/>
+              <a:t>&gt; </a:t>
+            </a:r>
+            <a:r>
+              <a:rPr lang="ko-KR" altLang="en-US" dirty="0"/>
+              <a:t>해결과정</a:t>
+            </a:r>
+            <a:r>
+              <a:rPr lang="en-US" altLang="ko-KR" dirty="0"/>
+              <a:t>(1)</a:t>
+            </a:r>
+            <a:endParaRPr lang="ko-KR" altLang="en-US" dirty="0"/>
+          </a:p>
+        </p:txBody>
+      </p:sp>
+      <p:pic>
+        <p:nvPicPr>
+          <p:cNvPr id="2" name="그림 1">
+            <a:extLst>
+              <a:ext uri="{FF2B5EF4-FFF2-40B4-BE49-F238E27FC236}">
+                <a16:creationId xmlns:a16="http://schemas.microsoft.com/office/drawing/2014/main" id="{3C9DAA0D-9550-4833-87D3-E2315CCB9549}"/>
+              </a:ext>
+            </a:extLst>
+          </p:cNvPr>
+          <p:cNvPicPr>
+            <a:picLocks noChangeAspect="1"/>
+          </p:cNvPicPr>
+          <p:nvPr/>
+        </p:nvPicPr>
+        <p:blipFill>
+          <a:blip r:embed="rId2"/>
+          <a:stretch>
+            <a:fillRect/>
+          </a:stretch>
+        </p:blipFill>
+        <p:spPr>
+          <a:xfrm>
+            <a:off x="458861" y="941723"/>
+            <a:ext cx="4333698" cy="3116929"/>
+          </a:xfrm>
+          <a:prstGeom prst="rect">
+            <a:avLst/>
+          </a:prstGeom>
+        </p:spPr>
+      </p:pic>
+      <p:sp>
+        <p:nvSpPr>
+          <p:cNvPr id="10" name="TextBox 9">
+            <a:extLst>
+              <a:ext uri="{FF2B5EF4-FFF2-40B4-BE49-F238E27FC236}">
+                <a16:creationId xmlns:a16="http://schemas.microsoft.com/office/drawing/2014/main" id="{ED822FFF-B306-4247-9466-D643AE612B00}"/>
+              </a:ext>
+            </a:extLst>
+          </p:cNvPr>
+          <p:cNvSpPr txBox="1"/>
+          <p:nvPr/>
+        </p:nvSpPr>
+        <p:spPr>
+          <a:xfrm>
+            <a:off x="4792559" y="2130855"/>
+            <a:ext cx="7241474" cy="369332"/>
+          </a:xfrm>
+          <a:prstGeom prst="rect">
+            <a:avLst/>
+          </a:prstGeom>
+          <a:noFill/>
+        </p:spPr>
+        <p:txBody>
+          <a:bodyPr wrap="square" rtlCol="0">
+            <a:spAutoFit/>
+          </a:bodyPr>
+          <a:lstStyle/>
+          <a:p>
+            <a:r>
+              <a:rPr lang="en-US" altLang="ko-KR" dirty="0"/>
+              <a:t>1. </a:t>
+            </a:r>
+            <a:r>
+              <a:rPr lang="ko-KR" altLang="en-US" dirty="0"/>
+              <a:t>먼저 보기에 있는 단어들을 해석하기 위해 뜻을 알아보았습니다</a:t>
+            </a:r>
+            <a:r>
+              <a:rPr lang="en-US" altLang="ko-KR" dirty="0"/>
+              <a:t>.</a:t>
+            </a:r>
+            <a:endParaRPr lang="ko-KR" altLang="en-US" dirty="0"/>
+          </a:p>
+        </p:txBody>
+      </p:sp>
+      <p:pic>
+        <p:nvPicPr>
+          <p:cNvPr id="12" name="그림 11">
+            <a:extLst>
+              <a:ext uri="{FF2B5EF4-FFF2-40B4-BE49-F238E27FC236}">
+                <a16:creationId xmlns:a16="http://schemas.microsoft.com/office/drawing/2014/main" id="{A0AEF14B-13F8-4886-B6AE-2CF2720D46CA}"/>
+              </a:ext>
+            </a:extLst>
+          </p:cNvPr>
+          <p:cNvPicPr>
+            <a:picLocks noChangeAspect="1"/>
+          </p:cNvPicPr>
+          <p:nvPr/>
+        </p:nvPicPr>
+        <p:blipFill>
+          <a:blip r:embed="rId3"/>
+          <a:stretch>
+            <a:fillRect/>
+          </a:stretch>
+        </p:blipFill>
+        <p:spPr>
+          <a:xfrm>
+            <a:off x="201204" y="4660416"/>
+            <a:ext cx="4973911" cy="1174736"/>
+          </a:xfrm>
+          <a:prstGeom prst="rect">
+            <a:avLst/>
+          </a:prstGeom>
+        </p:spPr>
+      </p:pic>
+      <p:sp>
+        <p:nvSpPr>
+          <p:cNvPr id="13" name="TextBox 12">
+            <a:extLst>
+              <a:ext uri="{FF2B5EF4-FFF2-40B4-BE49-F238E27FC236}">
+                <a16:creationId xmlns:a16="http://schemas.microsoft.com/office/drawing/2014/main" id="{E60629B6-9EC5-4E9E-A40E-29EDD082D0BC}"/>
+              </a:ext>
+            </a:extLst>
+          </p:cNvPr>
+          <p:cNvSpPr txBox="1"/>
+          <p:nvPr/>
+        </p:nvSpPr>
+        <p:spPr>
+          <a:xfrm>
+            <a:off x="5438197" y="4786119"/>
+            <a:ext cx="6552599" cy="923330"/>
+          </a:xfrm>
+          <a:prstGeom prst="rect">
+            <a:avLst/>
+          </a:prstGeom>
+          <a:noFill/>
+        </p:spPr>
+        <p:txBody>
+          <a:bodyPr wrap="square" rtlCol="0">
+            <a:spAutoFit/>
+          </a:bodyPr>
+          <a:lstStyle/>
+          <a:p>
+            <a:r>
+              <a:rPr lang="en-US" altLang="ko-KR" dirty="0"/>
+              <a:t>2. </a:t>
+            </a:r>
+            <a:r>
+              <a:rPr lang="ko-KR" altLang="en-US" dirty="0"/>
+              <a:t>처음에는 주어진 코드의 </a:t>
+            </a:r>
+            <a:r>
+              <a:rPr lang="en-US" altLang="ko-KR" dirty="0"/>
+              <a:t>if</a:t>
+            </a:r>
+            <a:r>
+              <a:rPr lang="ko-KR" altLang="en-US" dirty="0"/>
+              <a:t>문을 바꾼 상태</a:t>
+            </a:r>
+            <a:r>
+              <a:rPr lang="en-US" altLang="ko-KR" dirty="0"/>
+              <a:t>(N==</a:t>
+            </a:r>
+            <a:r>
+              <a:rPr lang="en-US" altLang="ko-KR" dirty="0" err="1"/>
+              <a:t>a.length</a:t>
+            </a:r>
+            <a:r>
+              <a:rPr lang="en-US" altLang="ko-KR" dirty="0"/>
+              <a:t> </a:t>
+            </a:r>
+            <a:r>
+              <a:rPr lang="ko-KR" altLang="en-US" dirty="0"/>
+              <a:t>→ </a:t>
+            </a:r>
+            <a:r>
+              <a:rPr lang="en-US" altLang="ko-KR" dirty="0"/>
+              <a:t>N&gt;=(</a:t>
+            </a:r>
+            <a:r>
+              <a:rPr lang="en-US" altLang="ko-KR" dirty="0" err="1"/>
+              <a:t>a.length</a:t>
+            </a:r>
+            <a:r>
+              <a:rPr lang="en-US" altLang="ko-KR" dirty="0"/>
+              <a:t>/3)*2)</a:t>
+            </a:r>
+            <a:r>
+              <a:rPr lang="ko-KR" altLang="en-US" dirty="0"/>
+              <a:t>에서 생각해야 할지 원래 코드에서 생각해야 할지 고민을 하였습니다</a:t>
+            </a:r>
+            <a:r>
+              <a:rPr lang="en-US" altLang="ko-KR" dirty="0"/>
+              <a:t>.</a:t>
+            </a:r>
+            <a:endParaRPr lang="ko-KR" altLang="en-US" dirty="0"/>
+          </a:p>
+        </p:txBody>
+      </p:sp>
+    </p:spTree>
+    <p:extLst>
+      <p:ext uri="{BB962C8B-B14F-4D97-AF65-F5344CB8AC3E}">
+        <p14:creationId xmlns:p14="http://schemas.microsoft.com/office/powerpoint/2010/main" val="3434226309"/>
+      </p:ext>
+    </p:extLst>
+  </p:cSld>
+  <p:clrMapOvr>
+    <a:masterClrMapping/>
+  </p:clrMapOvr>
+</p:sld>
+</file>
+
+<file path=ppt/slides/slide11.xml><?xml version="1.0" encoding="utf-8"?>
+<p:sld xmlns:a="http://schemas.openxmlformats.org/drawingml/2006/main" xmlns:r="http://schemas.openxmlformats.org/officeDocument/2006/relationships" xmlns:p="http://schemas.openxmlformats.org/presentationml/2006/main">
+  <p:cSld>
+    <p:spTree>
+      <p:nvGrpSpPr>
+        <p:cNvPr id="1" name=""/>
+        <p:cNvGrpSpPr/>
+        <p:nvPr/>
+      </p:nvGrpSpPr>
+      <p:grpSpPr>
+        <a:xfrm>
+          <a:off x="0" y="0"/>
+          <a:ext cx="0" cy="0"/>
+          <a:chOff x="0" y="0"/>
+          <a:chExt cx="0" cy="0"/>
+        </a:xfrm>
+      </p:grpSpPr>
+      <p:sp>
+        <p:nvSpPr>
+          <p:cNvPr id="11" name="TextBox 10">
+            <a:extLst>
+              <a:ext uri="{FF2B5EF4-FFF2-40B4-BE49-F238E27FC236}">
+                <a16:creationId xmlns:a16="http://schemas.microsoft.com/office/drawing/2014/main" id="{2FA48DA7-C904-4A9A-BF1B-1D5A28D75BCA}"/>
+              </a:ext>
+            </a:extLst>
+          </p:cNvPr>
+          <p:cNvSpPr txBox="1"/>
+          <p:nvPr/>
+        </p:nvSpPr>
+        <p:spPr>
+          <a:xfrm>
+            <a:off x="75414" y="84841"/>
+            <a:ext cx="5099701" cy="369332"/>
+          </a:xfrm>
+          <a:prstGeom prst="rect">
+            <a:avLst/>
+          </a:prstGeom>
+          <a:noFill/>
+        </p:spPr>
+        <p:txBody>
+          <a:bodyPr wrap="square" rtlCol="0">
+            <a:spAutoFit/>
+          </a:bodyPr>
+          <a:lstStyle/>
+          <a:p>
+            <a:r>
+              <a:rPr lang="en-US" altLang="ko-KR" dirty="0"/>
+              <a:t>3</a:t>
+            </a:r>
+            <a:r>
+              <a:rPr lang="ko-KR" altLang="en-US" dirty="0"/>
+              <a:t>번 문제</a:t>
+            </a:r>
+            <a:r>
+              <a:rPr lang="en-US" altLang="ko-KR" dirty="0"/>
+              <a:t>&gt; </a:t>
+            </a:r>
+            <a:r>
+              <a:rPr lang="ko-KR" altLang="en-US" dirty="0"/>
+              <a:t>해결과정</a:t>
+            </a:r>
+            <a:r>
+              <a:rPr lang="en-US" altLang="ko-KR" dirty="0"/>
+              <a:t>(2)</a:t>
+            </a:r>
+            <a:endParaRPr lang="ko-KR" altLang="en-US" dirty="0"/>
+          </a:p>
+        </p:txBody>
+      </p:sp>
+      <p:sp>
+        <p:nvSpPr>
+          <p:cNvPr id="10" name="TextBox 9">
+            <a:extLst>
+              <a:ext uri="{FF2B5EF4-FFF2-40B4-BE49-F238E27FC236}">
+                <a16:creationId xmlns:a16="http://schemas.microsoft.com/office/drawing/2014/main" id="{ED822FFF-B306-4247-9466-D643AE612B00}"/>
+              </a:ext>
+            </a:extLst>
+          </p:cNvPr>
+          <p:cNvSpPr txBox="1"/>
+          <p:nvPr/>
+        </p:nvSpPr>
+        <p:spPr>
+          <a:xfrm>
+            <a:off x="4792559" y="2130855"/>
+            <a:ext cx="7241474" cy="1477328"/>
+          </a:xfrm>
+          <a:prstGeom prst="rect">
+            <a:avLst/>
+          </a:prstGeom>
+          <a:noFill/>
+        </p:spPr>
+        <p:txBody>
+          <a:bodyPr wrap="square" rtlCol="0">
+            <a:spAutoFit/>
+          </a:bodyPr>
+          <a:lstStyle/>
+          <a:p>
+            <a:r>
+              <a:rPr lang="en-US" altLang="ko-KR" dirty="0"/>
+              <a:t>3. </a:t>
+            </a:r>
+            <a:r>
+              <a:rPr lang="ko-KR" altLang="en-US" dirty="0"/>
+              <a:t>먼저 기존 코드에서 생각해보았을 때</a:t>
+            </a:r>
+            <a:r>
+              <a:rPr lang="en-US" altLang="ko-KR" dirty="0"/>
+              <a:t>, resize method</a:t>
+            </a:r>
+            <a:r>
+              <a:rPr lang="ko-KR" altLang="en-US" dirty="0"/>
+              <a:t>가 불리는 패턴을 생각해보았습니다</a:t>
+            </a:r>
+            <a:r>
+              <a:rPr lang="en-US" altLang="ko-KR" dirty="0"/>
+              <a:t>. 1,2,3,5,9,17 … </a:t>
+            </a:r>
+            <a:r>
+              <a:rPr lang="ko-KR" altLang="en-US" dirty="0"/>
+              <a:t>식으로 표현해보면 </a:t>
+            </a:r>
+            <a:endParaRPr lang="en-US" altLang="ko-KR" dirty="0"/>
+          </a:p>
+          <a:p>
+            <a:r>
+              <a:rPr lang="en-US" altLang="ko-KR" dirty="0"/>
+              <a:t>2^K + 1(K=0,1,2,3,4 …)</a:t>
+            </a:r>
+            <a:r>
+              <a:rPr lang="ko-KR" altLang="en-US" dirty="0"/>
+              <a:t>로 나타낼 수 있었고 시간 복잡도를 표현하면 </a:t>
+            </a:r>
+            <a:r>
+              <a:rPr lang="en-US" altLang="ko-KR" dirty="0"/>
+              <a:t>log2(N)</a:t>
+            </a:r>
+            <a:r>
+              <a:rPr lang="ko-KR" altLang="en-US" dirty="0"/>
+              <a:t>이라는 결과를 얻을 수 있어</a:t>
+            </a:r>
+            <a:r>
+              <a:rPr lang="en-US" altLang="ko-KR" dirty="0"/>
+              <a:t>, </a:t>
+            </a:r>
+            <a:r>
+              <a:rPr lang="ko-KR" altLang="en-US" dirty="0"/>
+              <a:t>답이 </a:t>
+            </a:r>
+            <a:r>
+              <a:rPr lang="en-US" altLang="ko-KR" dirty="0"/>
+              <a:t>logarithmic</a:t>
+            </a:r>
+            <a:r>
+              <a:rPr lang="ko-KR" altLang="en-US" dirty="0"/>
+              <a:t>이라고 알 수 있었습니다</a:t>
+            </a:r>
+            <a:r>
+              <a:rPr lang="en-US" altLang="ko-KR" dirty="0"/>
+              <a:t>.</a:t>
+            </a:r>
+            <a:endParaRPr lang="ko-KR" altLang="en-US" dirty="0"/>
+          </a:p>
+        </p:txBody>
+      </p:sp>
+      <p:pic>
+        <p:nvPicPr>
+          <p:cNvPr id="3" name="그림 2">
+            <a:extLst>
+              <a:ext uri="{FF2B5EF4-FFF2-40B4-BE49-F238E27FC236}">
+                <a16:creationId xmlns:a16="http://schemas.microsoft.com/office/drawing/2014/main" id="{15576BA9-5483-40B4-8598-DC4673388D58}"/>
+              </a:ext>
+            </a:extLst>
+          </p:cNvPr>
+          <p:cNvPicPr>
+            <a:picLocks noChangeAspect="1"/>
+          </p:cNvPicPr>
+          <p:nvPr/>
+        </p:nvPicPr>
+        <p:blipFill>
+          <a:blip r:embed="rId2"/>
+          <a:stretch>
+            <a:fillRect/>
+          </a:stretch>
+        </p:blipFill>
+        <p:spPr>
+          <a:xfrm>
+            <a:off x="904373" y="862036"/>
+            <a:ext cx="3186363" cy="3276301"/>
+          </a:xfrm>
+          <a:prstGeom prst="rect">
+            <a:avLst/>
+          </a:prstGeom>
+        </p:spPr>
+      </p:pic>
+      <p:pic>
+        <p:nvPicPr>
+          <p:cNvPr id="4" name="그림 3">
+            <a:extLst>
+              <a:ext uri="{FF2B5EF4-FFF2-40B4-BE49-F238E27FC236}">
+                <a16:creationId xmlns:a16="http://schemas.microsoft.com/office/drawing/2014/main" id="{DEC7138B-C190-46EF-8F63-D02C2CCD0F96}"/>
+              </a:ext>
+            </a:extLst>
+          </p:cNvPr>
+          <p:cNvPicPr>
+            <a:picLocks noChangeAspect="1"/>
+          </p:cNvPicPr>
+          <p:nvPr/>
+        </p:nvPicPr>
+        <p:blipFill>
+          <a:blip r:embed="rId3"/>
+          <a:stretch>
+            <a:fillRect/>
+          </a:stretch>
+        </p:blipFill>
+        <p:spPr>
+          <a:xfrm>
+            <a:off x="75414" y="4634188"/>
+            <a:ext cx="7454064" cy="1746316"/>
+          </a:xfrm>
+          <a:prstGeom prst="rect">
+            <a:avLst/>
+          </a:prstGeom>
+        </p:spPr>
+      </p:pic>
+      <p:sp>
+        <p:nvSpPr>
+          <p:cNvPr id="9" name="TextBox 8">
+            <a:extLst>
+              <a:ext uri="{FF2B5EF4-FFF2-40B4-BE49-F238E27FC236}">
+                <a16:creationId xmlns:a16="http://schemas.microsoft.com/office/drawing/2014/main" id="{F2CE6B64-F296-4464-BBC6-494C6D80207F}"/>
+              </a:ext>
+            </a:extLst>
+          </p:cNvPr>
+          <p:cNvSpPr txBox="1"/>
+          <p:nvPr/>
+        </p:nvSpPr>
+        <p:spPr>
+          <a:xfrm>
+            <a:off x="7684169" y="4491683"/>
+            <a:ext cx="4181474" cy="2031325"/>
+          </a:xfrm>
+          <a:prstGeom prst="rect">
+            <a:avLst/>
+          </a:prstGeom>
+          <a:noFill/>
+        </p:spPr>
+        <p:txBody>
+          <a:bodyPr wrap="square" rtlCol="0">
+            <a:spAutoFit/>
+          </a:bodyPr>
+          <a:lstStyle/>
+          <a:p>
+            <a:r>
+              <a:rPr lang="en-US" altLang="ko-KR" dirty="0"/>
+              <a:t>4. 3</a:t>
+            </a:r>
+            <a:r>
+              <a:rPr lang="ko-KR" altLang="en-US" dirty="0"/>
+              <a:t>번 해결과정을 고민하다가 풀린 점은 </a:t>
+            </a:r>
+            <a:r>
+              <a:rPr lang="en-US" altLang="ko-KR" dirty="0"/>
+              <a:t>resize method</a:t>
+            </a:r>
+            <a:r>
+              <a:rPr lang="ko-KR" altLang="en-US" dirty="0"/>
+              <a:t>는 이전 배열의 크기에 </a:t>
+            </a:r>
+            <a:r>
+              <a:rPr lang="en-US" altLang="ko-KR" dirty="0"/>
+              <a:t>2</a:t>
+            </a:r>
+            <a:r>
+              <a:rPr lang="ko-KR" altLang="en-US" dirty="0"/>
+              <a:t>배가 되기 때문에 </a:t>
+            </a:r>
+            <a:r>
+              <a:rPr lang="en-US" altLang="ko-KR" dirty="0"/>
+              <a:t>method </a:t>
+            </a:r>
+            <a:r>
+              <a:rPr lang="ko-KR" altLang="en-US" dirty="0"/>
+              <a:t>호출 관점에서 생각해보면 왼쪽의 코드 역시 </a:t>
+            </a:r>
+            <a:r>
+              <a:rPr lang="en-US" altLang="ko-KR" dirty="0"/>
+              <a:t>log2(N)</a:t>
+            </a:r>
+            <a:r>
+              <a:rPr lang="ko-KR" altLang="en-US" dirty="0"/>
+              <a:t>으로 시간 복잡도 표현할 수 있어 문제 되지 않는 점이라고 해결하였습니다</a:t>
+            </a:r>
+            <a:r>
+              <a:rPr lang="en-US" altLang="ko-KR" dirty="0"/>
+              <a:t>.</a:t>
+            </a:r>
+            <a:r>
+              <a:rPr lang="ko-KR" altLang="en-US" dirty="0"/>
+              <a:t> </a:t>
+            </a:r>
+          </a:p>
+        </p:txBody>
+      </p:sp>
+    </p:spTree>
+    <p:extLst>
+      <p:ext uri="{BB962C8B-B14F-4D97-AF65-F5344CB8AC3E}">
+        <p14:creationId xmlns:p14="http://schemas.microsoft.com/office/powerpoint/2010/main" val="3999668971"/>
+      </p:ext>
+    </p:extLst>
+  </p:cSld>
+  <p:clrMapOvr>
+    <a:masterClrMapping/>
+  </p:clrMapOvr>
+</p:sld>
+</file>
+
+<file path=ppt/slides/slide12.xml><?xml version="1.0" encoding="utf-8"?>
+<p:sld xmlns:a="http://schemas.openxmlformats.org/drawingml/2006/main" xmlns:r="http://schemas.openxmlformats.org/officeDocument/2006/relationships" xmlns:p="http://schemas.openxmlformats.org/presentationml/2006/main">
+  <p:cSld>
+    <p:spTree>
+      <p:nvGrpSpPr>
+        <p:cNvPr id="1" name=""/>
+        <p:cNvGrpSpPr/>
+        <p:nvPr/>
+      </p:nvGrpSpPr>
+      <p:grpSpPr>
+        <a:xfrm>
+          <a:off x="0" y="0"/>
+          <a:ext cx="0" cy="0"/>
+          <a:chOff x="0" y="0"/>
+          <a:chExt cx="0" cy="0"/>
+        </a:xfrm>
+      </p:grpSpPr>
+      <p:sp>
+        <p:nvSpPr>
           <p:cNvPr id="5" name="TextBox 4">
             <a:extLst>
               <a:ext uri="{FF2B5EF4-FFF2-40B4-BE49-F238E27FC236}">
@@ -5756,8 +6344,8 @@
         </p:nvSpPr>
         <p:spPr>
           <a:xfrm>
-            <a:off x="238539" y="751206"/>
-            <a:ext cx="11287432" cy="369332"/>
+            <a:off x="254581" y="751206"/>
+            <a:ext cx="11287432" cy="923330"/>
           </a:xfrm>
           <a:prstGeom prst="rect">
             <a:avLst/>
@@ -5798,10 +6386,141 @@
               <a:rPr lang="en-US" altLang="ko-KR" dirty="0"/>
               <a:t>?</a:t>
             </a:r>
-            <a:endParaRPr lang="ko-KR" altLang="en-US" dirty="0"/>
-          </a:p>
-        </p:txBody>
-      </p:sp>
+          </a:p>
+          <a:p>
+            <a:endParaRPr lang="en-US" altLang="ko-KR" dirty="0"/>
+          </a:p>
+          <a:p>
+            <a:r>
+              <a:rPr lang="en-US" altLang="ko-KR" b="1" dirty="0"/>
+              <a:t>Q. resizing-array</a:t>
+            </a:r>
+            <a:r>
+              <a:rPr lang="ko-KR" altLang="en-US" b="1" dirty="0"/>
+              <a:t>에서 </a:t>
+            </a:r>
+            <a:r>
+              <a:rPr lang="en-US" altLang="ko-KR" b="1" dirty="0"/>
+              <a:t>n</a:t>
+            </a:r>
+            <a:r>
+              <a:rPr lang="ko-KR" altLang="en-US" b="1" dirty="0"/>
+              <a:t>번 </a:t>
+            </a:r>
+            <a:r>
+              <a:rPr lang="en-US" altLang="ko-KR" b="1" dirty="0"/>
+              <a:t>push</a:t>
+            </a:r>
+            <a:r>
+              <a:rPr lang="ko-KR" altLang="en-US" b="1" dirty="0"/>
+              <a:t> 했을 때</a:t>
+            </a:r>
+            <a:r>
+              <a:rPr lang="en-US" altLang="ko-KR" b="1" dirty="0"/>
+              <a:t>, resize()</a:t>
+            </a:r>
+            <a:r>
+              <a:rPr lang="ko-KR" altLang="en-US" b="1" dirty="0"/>
+              <a:t>메소드는 몇 번이나 불릴까요</a:t>
+            </a:r>
+            <a:r>
+              <a:rPr lang="en-US" altLang="ko-KR" b="1" dirty="0"/>
+              <a:t> ?</a:t>
+            </a:r>
+            <a:endParaRPr lang="ko-KR" altLang="en-US" b="1" dirty="0"/>
+          </a:p>
+        </p:txBody>
+      </p:sp>
+      <p:pic>
+        <p:nvPicPr>
+          <p:cNvPr id="2" name="그림 1">
+            <a:extLst>
+              <a:ext uri="{FF2B5EF4-FFF2-40B4-BE49-F238E27FC236}">
+                <a16:creationId xmlns:a16="http://schemas.microsoft.com/office/drawing/2014/main" id="{7431F37C-3A15-4CF2-B18E-8E58CD98025D}"/>
+              </a:ext>
+            </a:extLst>
+          </p:cNvPr>
+          <p:cNvPicPr>
+            <a:picLocks noChangeAspect="1"/>
+          </p:cNvPicPr>
+          <p:nvPr/>
+        </p:nvPicPr>
+        <p:blipFill>
+          <a:blip r:embed="rId2"/>
+          <a:stretch>
+            <a:fillRect/>
+          </a:stretch>
+        </p:blipFill>
+        <p:spPr>
+          <a:xfrm>
+            <a:off x="254581" y="3892492"/>
+            <a:ext cx="6497912" cy="2188428"/>
+          </a:xfrm>
+          <a:prstGeom prst="rect">
+            <a:avLst/>
+          </a:prstGeom>
+        </p:spPr>
+      </p:pic>
+      <p:pic>
+        <p:nvPicPr>
+          <p:cNvPr id="6" name="그림 5">
+            <a:extLst>
+              <a:ext uri="{FF2B5EF4-FFF2-40B4-BE49-F238E27FC236}">
+                <a16:creationId xmlns:a16="http://schemas.microsoft.com/office/drawing/2014/main" id="{7C88A07E-41A9-4285-AB11-55763C7AEA78}"/>
+              </a:ext>
+            </a:extLst>
+          </p:cNvPr>
+          <p:cNvPicPr>
+            <a:picLocks noChangeAspect="1"/>
+          </p:cNvPicPr>
+          <p:nvPr/>
+        </p:nvPicPr>
+        <p:blipFill>
+          <a:blip r:embed="rId3"/>
+          <a:stretch>
+            <a:fillRect/>
+          </a:stretch>
+        </p:blipFill>
+        <p:spPr>
+          <a:xfrm>
+            <a:off x="254581" y="2254264"/>
+            <a:ext cx="4973911" cy="1174736"/>
+          </a:xfrm>
+          <a:prstGeom prst="rect">
+            <a:avLst/>
+          </a:prstGeom>
+        </p:spPr>
+      </p:pic>
+      <p:pic>
+        <p:nvPicPr>
+          <p:cNvPr id="7" name="그림 6">
+            <a:extLst>
+              <a:ext uri="{FF2B5EF4-FFF2-40B4-BE49-F238E27FC236}">
+                <a16:creationId xmlns:a16="http://schemas.microsoft.com/office/drawing/2014/main" id="{52486DDD-2C29-431F-B05A-2466FA9695C9}"/>
+              </a:ext>
+            </a:extLst>
+          </p:cNvPr>
+          <p:cNvPicPr>
+            <a:picLocks noChangeAspect="1"/>
+          </p:cNvPicPr>
+          <p:nvPr/>
+        </p:nvPicPr>
+        <p:blipFill>
+          <a:blip r:embed="rId4"/>
+          <a:stretch>
+            <a:fillRect/>
+          </a:stretch>
+        </p:blipFill>
+        <p:spPr>
+          <a:xfrm>
+            <a:off x="7756280" y="2083044"/>
+            <a:ext cx="2372458" cy="3255820"/>
+          </a:xfrm>
+          <a:prstGeom prst="rect">
+            <a:avLst/>
+          </a:prstGeom>
+        </p:spPr>
+      </p:pic>
     </p:spTree>
     <p:extLst>
       <p:ext uri="{BB962C8B-B14F-4D97-AF65-F5344CB8AC3E}">
